--- a/Mapreduce Word Count.pptx
+++ b/Mapreduce Word Count.pptx
@@ -16671,7 +16671,7 @@
               <a:t>C</a:t>
             </a:r>
             <a:r>
-              <a:rPr lang="en-US" b="1">
+              <a:rPr lang="en-US" b="1" dirty="0" err="1">
                 <a:latin typeface="+mn-lt"/>
               </a:rPr>
               <a:t>ount</a:t>
